--- a/lecture-slides/2019-09-11-oop.pptx
+++ b/lecture-slides/2019-09-11-oop.pptx
@@ -215,7 +215,7 @@
           <a:p>
             <a:fld id="{A677DEB0-5AA4-49C7-B0AD-AD047A002C4C}" type="datetimeFigureOut">
               <a:rPr lang="en-US" smtClean="0"/>
-              <a:t>9/10/19</a:t>
+              <a:t>9/11/2019</a:t>
             </a:fld>
             <a:endParaRPr lang="en-US"/>
           </a:p>
@@ -1613,7 +1613,7 @@
           <a:p>
             <a:fld id="{1B52E0E1-344B-4E26-B5AD-CE86AB802485}" type="datetimeFigureOut">
               <a:rPr lang="en-US" smtClean="0"/>
-              <a:t>9/10/19</a:t>
+              <a:t>9/11/2019</a:t>
             </a:fld>
             <a:endParaRPr lang="en-US"/>
           </a:p>
@@ -1811,7 +1811,7 @@
           <a:p>
             <a:fld id="{1B52E0E1-344B-4E26-B5AD-CE86AB802485}" type="datetimeFigureOut">
               <a:rPr lang="en-US" smtClean="0"/>
-              <a:t>9/10/19</a:t>
+              <a:t>9/11/2019</a:t>
             </a:fld>
             <a:endParaRPr lang="en-US"/>
           </a:p>
@@ -2019,7 +2019,7 @@
           <a:p>
             <a:fld id="{1B52E0E1-344B-4E26-B5AD-CE86AB802485}" type="datetimeFigureOut">
               <a:rPr lang="en-US" smtClean="0"/>
-              <a:t>9/10/19</a:t>
+              <a:t>9/11/2019</a:t>
             </a:fld>
             <a:endParaRPr lang="en-US"/>
           </a:p>
@@ -2217,7 +2217,7 @@
           <a:p>
             <a:fld id="{1B52E0E1-344B-4E26-B5AD-CE86AB802485}" type="datetimeFigureOut">
               <a:rPr lang="en-US" smtClean="0"/>
-              <a:t>9/10/19</a:t>
+              <a:t>9/11/2019</a:t>
             </a:fld>
             <a:endParaRPr lang="en-US"/>
           </a:p>
@@ -2492,7 +2492,7 @@
           <a:p>
             <a:fld id="{1B52E0E1-344B-4E26-B5AD-CE86AB802485}" type="datetimeFigureOut">
               <a:rPr lang="en-US" smtClean="0"/>
-              <a:t>9/10/19</a:t>
+              <a:t>9/11/2019</a:t>
             </a:fld>
             <a:endParaRPr lang="en-US"/>
           </a:p>
@@ -2757,7 +2757,7 @@
           <a:p>
             <a:fld id="{1B52E0E1-344B-4E26-B5AD-CE86AB802485}" type="datetimeFigureOut">
               <a:rPr lang="en-US" smtClean="0"/>
-              <a:t>9/10/19</a:t>
+              <a:t>9/11/2019</a:t>
             </a:fld>
             <a:endParaRPr lang="en-US"/>
           </a:p>
@@ -3169,7 +3169,7 @@
           <a:p>
             <a:fld id="{1B52E0E1-344B-4E26-B5AD-CE86AB802485}" type="datetimeFigureOut">
               <a:rPr lang="en-US" smtClean="0"/>
-              <a:t>9/10/19</a:t>
+              <a:t>9/11/2019</a:t>
             </a:fld>
             <a:endParaRPr lang="en-US"/>
           </a:p>
@@ -3310,7 +3310,7 @@
           <a:p>
             <a:fld id="{1B52E0E1-344B-4E26-B5AD-CE86AB802485}" type="datetimeFigureOut">
               <a:rPr lang="en-US" smtClean="0"/>
-              <a:t>9/10/19</a:t>
+              <a:t>9/11/2019</a:t>
             </a:fld>
             <a:endParaRPr lang="en-US"/>
           </a:p>
@@ -3423,7 +3423,7 @@
           <a:p>
             <a:fld id="{1B52E0E1-344B-4E26-B5AD-CE86AB802485}" type="datetimeFigureOut">
               <a:rPr lang="en-US" smtClean="0"/>
-              <a:t>9/10/19</a:t>
+              <a:t>9/11/2019</a:t>
             </a:fld>
             <a:endParaRPr lang="en-US"/>
           </a:p>
@@ -3734,7 +3734,7 @@
           <a:p>
             <a:fld id="{1B52E0E1-344B-4E26-B5AD-CE86AB802485}" type="datetimeFigureOut">
               <a:rPr lang="en-US" smtClean="0"/>
-              <a:t>9/10/19</a:t>
+              <a:t>9/11/2019</a:t>
             </a:fld>
             <a:endParaRPr lang="en-US"/>
           </a:p>
@@ -4022,7 +4022,7 @@
           <a:p>
             <a:fld id="{1B52E0E1-344B-4E26-B5AD-CE86AB802485}" type="datetimeFigureOut">
               <a:rPr lang="en-US" smtClean="0"/>
-              <a:t>9/10/19</a:t>
+              <a:t>9/11/2019</a:t>
             </a:fld>
             <a:endParaRPr lang="en-US"/>
           </a:p>
@@ -4263,7 +4263,7 @@
           <a:p>
             <a:fld id="{1B52E0E1-344B-4E26-B5AD-CE86AB802485}" type="datetimeFigureOut">
               <a:rPr lang="en-US" smtClean="0"/>
-              <a:t>9/10/19</a:t>
+              <a:t>9/11/2019</a:t>
             </a:fld>
             <a:endParaRPr lang="en-US"/>
           </a:p>
@@ -5085,7 +5085,7 @@
             </a:pPr>
             <a:r>
               <a:rPr lang="en-US" sz="2000" dirty="0"/>
-              <a:t>Complete Activities List items 1 through 5 and be prepared to discuss them at the start of our next class. </a:t>
+              <a:t>Complete Activities List items 1 through 6 and be prepared to discuss them at the start of our next class. </a:t>
             </a:r>
           </a:p>
           <a:p>
@@ -6191,7 +6191,7 @@
             </a:pPr>
             <a:r>
               <a:rPr lang="en-US" sz="2000" dirty="0"/>
-              <a:t>Complete Activities List items through item 6 and be prepared to discuss them at the start of our next class. </a:t>
+              <a:t>Complete Activities List items through item 5 and be prepared to discuss them at the start of our next class. </a:t>
             </a:r>
           </a:p>
           <a:p>

--- a/lecture-slides/2019-09-11-oop.pptx
+++ b/lecture-slides/2019-09-11-oop.pptx
@@ -215,7 +215,7 @@
           <a:p>
             <a:fld id="{A677DEB0-5AA4-49C7-B0AD-AD047A002C4C}" type="datetimeFigureOut">
               <a:rPr lang="en-US" smtClean="0"/>
-              <a:t>9/11/2019</a:t>
+              <a:t>9/12/19</a:t>
             </a:fld>
             <a:endParaRPr lang="en-US"/>
           </a:p>
@@ -1613,7 +1613,7 @@
           <a:p>
             <a:fld id="{1B52E0E1-344B-4E26-B5AD-CE86AB802485}" type="datetimeFigureOut">
               <a:rPr lang="en-US" smtClean="0"/>
-              <a:t>9/11/2019</a:t>
+              <a:t>9/12/19</a:t>
             </a:fld>
             <a:endParaRPr lang="en-US"/>
           </a:p>
@@ -1811,7 +1811,7 @@
           <a:p>
             <a:fld id="{1B52E0E1-344B-4E26-B5AD-CE86AB802485}" type="datetimeFigureOut">
               <a:rPr lang="en-US" smtClean="0"/>
-              <a:t>9/11/2019</a:t>
+              <a:t>9/12/19</a:t>
             </a:fld>
             <a:endParaRPr lang="en-US"/>
           </a:p>
@@ -2019,7 +2019,7 @@
           <a:p>
             <a:fld id="{1B52E0E1-344B-4E26-B5AD-CE86AB802485}" type="datetimeFigureOut">
               <a:rPr lang="en-US" smtClean="0"/>
-              <a:t>9/11/2019</a:t>
+              <a:t>9/12/19</a:t>
             </a:fld>
             <a:endParaRPr lang="en-US"/>
           </a:p>
@@ -2217,7 +2217,7 @@
           <a:p>
             <a:fld id="{1B52E0E1-344B-4E26-B5AD-CE86AB802485}" type="datetimeFigureOut">
               <a:rPr lang="en-US" smtClean="0"/>
-              <a:t>9/11/2019</a:t>
+              <a:t>9/12/19</a:t>
             </a:fld>
             <a:endParaRPr lang="en-US"/>
           </a:p>
@@ -2492,7 +2492,7 @@
           <a:p>
             <a:fld id="{1B52E0E1-344B-4E26-B5AD-CE86AB802485}" type="datetimeFigureOut">
               <a:rPr lang="en-US" smtClean="0"/>
-              <a:t>9/11/2019</a:t>
+              <a:t>9/12/19</a:t>
             </a:fld>
             <a:endParaRPr lang="en-US"/>
           </a:p>
@@ -2757,7 +2757,7 @@
           <a:p>
             <a:fld id="{1B52E0E1-344B-4E26-B5AD-CE86AB802485}" type="datetimeFigureOut">
               <a:rPr lang="en-US" smtClean="0"/>
-              <a:t>9/11/2019</a:t>
+              <a:t>9/12/19</a:t>
             </a:fld>
             <a:endParaRPr lang="en-US"/>
           </a:p>
@@ -3169,7 +3169,7 @@
           <a:p>
             <a:fld id="{1B52E0E1-344B-4E26-B5AD-CE86AB802485}" type="datetimeFigureOut">
               <a:rPr lang="en-US" smtClean="0"/>
-              <a:t>9/11/2019</a:t>
+              <a:t>9/12/19</a:t>
             </a:fld>
             <a:endParaRPr lang="en-US"/>
           </a:p>
@@ -3310,7 +3310,7 @@
           <a:p>
             <a:fld id="{1B52E0E1-344B-4E26-B5AD-CE86AB802485}" type="datetimeFigureOut">
               <a:rPr lang="en-US" smtClean="0"/>
-              <a:t>9/11/2019</a:t>
+              <a:t>9/12/19</a:t>
             </a:fld>
             <a:endParaRPr lang="en-US"/>
           </a:p>
@@ -3423,7 +3423,7 @@
           <a:p>
             <a:fld id="{1B52E0E1-344B-4E26-B5AD-CE86AB802485}" type="datetimeFigureOut">
               <a:rPr lang="en-US" smtClean="0"/>
-              <a:t>9/11/2019</a:t>
+              <a:t>9/12/19</a:t>
             </a:fld>
             <a:endParaRPr lang="en-US"/>
           </a:p>
@@ -3734,7 +3734,7 @@
           <a:p>
             <a:fld id="{1B52E0E1-344B-4E26-B5AD-CE86AB802485}" type="datetimeFigureOut">
               <a:rPr lang="en-US" smtClean="0"/>
-              <a:t>9/11/2019</a:t>
+              <a:t>9/12/19</a:t>
             </a:fld>
             <a:endParaRPr lang="en-US"/>
           </a:p>
@@ -4022,7 +4022,7 @@
           <a:p>
             <a:fld id="{1B52E0E1-344B-4E26-B5AD-CE86AB802485}" type="datetimeFigureOut">
               <a:rPr lang="en-US" smtClean="0"/>
-              <a:t>9/11/2019</a:t>
+              <a:t>9/12/19</a:t>
             </a:fld>
             <a:endParaRPr lang="en-US"/>
           </a:p>
@@ -4263,7 +4263,7 @@
           <a:p>
             <a:fld id="{1B52E0E1-344B-4E26-B5AD-CE86AB802485}" type="datetimeFigureOut">
               <a:rPr lang="en-US" smtClean="0"/>
-              <a:t>9/11/2019</a:t>
+              <a:t>9/12/19</a:t>
             </a:fld>
             <a:endParaRPr lang="en-US"/>
           </a:p>
@@ -4762,7 +4762,15 @@
             </a:pPr>
             <a:r>
               <a:rPr lang="en-US" sz="2000" dirty="0"/>
-              <a:t>Agenda for Monday, September 11</a:t>
+              <a:t>Agenda </a:t>
+            </a:r>
+            <a:r>
+              <a:rPr lang="en-US" sz="2000"/>
+              <a:t>for Wednesday, </a:t>
+            </a:r>
+            <a:r>
+              <a:rPr lang="en-US" sz="2000" dirty="0"/>
+              <a:t>September 11</a:t>
             </a:r>
             <a:r>
               <a:rPr lang="en-US" sz="2000" baseline="30000" dirty="0"/>
